--- a/Zustandsdiagramme.pptx
+++ b/Zustandsdiagramme.pptx
@@ -7,6 +7,7 @@
   <p:sldIdLst>
     <p:sldId id="256" r:id="rId2"/>
     <p:sldId id="257" r:id="rId3"/>
+    <p:sldId id="258" r:id="rId4"/>
   </p:sldIdLst>
   <p:sldSz cx="6858000" cy="9906000" type="A4"/>
   <p:notesSz cx="6858000" cy="9144000"/>
@@ -105,6 +106,11 @@
       </a:defRPr>
     </a:lvl9pPr>
   </p:defaultTextStyle>
+  <p:extLst>
+    <p:ext uri="{EFAFB233-063F-42B5-8137-9DF3F51BA10A}">
+      <p15:sldGuideLst xmlns:p15="http://schemas.microsoft.com/office/powerpoint/2012/main"/>
+    </p:ext>
+  </p:extLst>
 </p:presentation>
 </file>
 
@@ -239,7 +245,7 @@
           <a:p>
             <a:fld id="{787D2ACF-316F-4C6E-89AE-002439F4BC26}" type="datetimeFigureOut">
               <a:rPr lang="de-DE" smtClean="0"/>
-              <a:t>09.02.2022</a:t>
+              <a:t>13.02.2022</a:t>
             </a:fld>
             <a:endParaRPr lang="de-DE"/>
           </a:p>
@@ -409,7 +415,7 @@
           <a:p>
             <a:fld id="{787D2ACF-316F-4C6E-89AE-002439F4BC26}" type="datetimeFigureOut">
               <a:rPr lang="de-DE" smtClean="0"/>
-              <a:t>09.02.2022</a:t>
+              <a:t>13.02.2022</a:t>
             </a:fld>
             <a:endParaRPr lang="de-DE"/>
           </a:p>
@@ -589,7 +595,7 @@
           <a:p>
             <a:fld id="{787D2ACF-316F-4C6E-89AE-002439F4BC26}" type="datetimeFigureOut">
               <a:rPr lang="de-DE" smtClean="0"/>
-              <a:t>09.02.2022</a:t>
+              <a:t>13.02.2022</a:t>
             </a:fld>
             <a:endParaRPr lang="de-DE"/>
           </a:p>
@@ -759,7 +765,7 @@
           <a:p>
             <a:fld id="{787D2ACF-316F-4C6E-89AE-002439F4BC26}" type="datetimeFigureOut">
               <a:rPr lang="de-DE" smtClean="0"/>
-              <a:t>09.02.2022</a:t>
+              <a:t>13.02.2022</a:t>
             </a:fld>
             <a:endParaRPr lang="de-DE"/>
           </a:p>
@@ -1003,7 +1009,7 @@
           <a:p>
             <a:fld id="{787D2ACF-316F-4C6E-89AE-002439F4BC26}" type="datetimeFigureOut">
               <a:rPr lang="de-DE" smtClean="0"/>
-              <a:t>09.02.2022</a:t>
+              <a:t>13.02.2022</a:t>
             </a:fld>
             <a:endParaRPr lang="de-DE"/>
           </a:p>
@@ -1235,7 +1241,7 @@
           <a:p>
             <a:fld id="{787D2ACF-316F-4C6E-89AE-002439F4BC26}" type="datetimeFigureOut">
               <a:rPr lang="de-DE" smtClean="0"/>
-              <a:t>09.02.2022</a:t>
+              <a:t>13.02.2022</a:t>
             </a:fld>
             <a:endParaRPr lang="de-DE"/>
           </a:p>
@@ -1602,7 +1608,7 @@
           <a:p>
             <a:fld id="{787D2ACF-316F-4C6E-89AE-002439F4BC26}" type="datetimeFigureOut">
               <a:rPr lang="de-DE" smtClean="0"/>
-              <a:t>09.02.2022</a:t>
+              <a:t>13.02.2022</a:t>
             </a:fld>
             <a:endParaRPr lang="de-DE"/>
           </a:p>
@@ -1720,7 +1726,7 @@
           <a:p>
             <a:fld id="{787D2ACF-316F-4C6E-89AE-002439F4BC26}" type="datetimeFigureOut">
               <a:rPr lang="de-DE" smtClean="0"/>
-              <a:t>09.02.2022</a:t>
+              <a:t>13.02.2022</a:t>
             </a:fld>
             <a:endParaRPr lang="de-DE"/>
           </a:p>
@@ -1815,7 +1821,7 @@
           <a:p>
             <a:fld id="{787D2ACF-316F-4C6E-89AE-002439F4BC26}" type="datetimeFigureOut">
               <a:rPr lang="de-DE" smtClean="0"/>
-              <a:t>09.02.2022</a:t>
+              <a:t>13.02.2022</a:t>
             </a:fld>
             <a:endParaRPr lang="de-DE"/>
           </a:p>
@@ -2092,7 +2098,7 @@
           <a:p>
             <a:fld id="{787D2ACF-316F-4C6E-89AE-002439F4BC26}" type="datetimeFigureOut">
               <a:rPr lang="de-DE" smtClean="0"/>
-              <a:t>09.02.2022</a:t>
+              <a:t>13.02.2022</a:t>
             </a:fld>
             <a:endParaRPr lang="de-DE"/>
           </a:p>
@@ -2349,7 +2355,7 @@
           <a:p>
             <a:fld id="{787D2ACF-316F-4C6E-89AE-002439F4BC26}" type="datetimeFigureOut">
               <a:rPr lang="de-DE" smtClean="0"/>
-              <a:t>09.02.2022</a:t>
+              <a:t>13.02.2022</a:t>
             </a:fld>
             <a:endParaRPr lang="de-DE"/>
           </a:p>
@@ -2562,7 +2568,7 @@
           <a:p>
             <a:fld id="{787D2ACF-316F-4C6E-89AE-002439F4BC26}" type="datetimeFigureOut">
               <a:rPr lang="de-DE" smtClean="0"/>
-              <a:t>09.02.2022</a:t>
+              <a:t>13.02.2022</a:t>
             </a:fld>
             <a:endParaRPr lang="de-DE"/>
           </a:p>
@@ -5032,6 +5038,1216 @@
 </p:sld>
 </file>
 
+<file path=ppt/slides/slide3.xml><?xml version="1.0" encoding="utf-8"?>
+<p:sld xmlns:a="http://schemas.openxmlformats.org/drawingml/2006/main" xmlns:r="http://schemas.openxmlformats.org/officeDocument/2006/relationships" xmlns:p="http://schemas.openxmlformats.org/presentationml/2006/main">
+  <p:cSld>
+    <p:spTree>
+      <p:nvGrpSpPr>
+        <p:cNvPr id="1" name=""/>
+        <p:cNvGrpSpPr/>
+        <p:nvPr/>
+      </p:nvGrpSpPr>
+      <p:grpSpPr>
+        <a:xfrm>
+          <a:off x="0" y="0"/>
+          <a:ext cx="0" cy="0"/>
+          <a:chOff x="0" y="0"/>
+          <a:chExt cx="0" cy="0"/>
+        </a:xfrm>
+      </p:grpSpPr>
+      <p:sp>
+        <p:nvSpPr>
+          <p:cNvPr id="3" name="Rechteck: abgerundete Ecken 2">
+            <a:extLst>
+              <a:ext uri="{FF2B5EF4-FFF2-40B4-BE49-F238E27FC236}">
+                <a16:creationId xmlns:a16="http://schemas.microsoft.com/office/drawing/2014/main" id="{6A361AF5-4566-4D93-B72E-B14B0B1B79EE}"/>
+              </a:ext>
+            </a:extLst>
+          </p:cNvPr>
+          <p:cNvSpPr/>
+          <p:nvPr/>
+        </p:nvSpPr>
+        <p:spPr>
+          <a:xfrm>
+            <a:off x="734668" y="4650727"/>
+            <a:ext cx="2450592" cy="792480"/>
+          </a:xfrm>
+          <a:prstGeom prst="roundRect">
+            <a:avLst/>
+          </a:prstGeom>
+          <a:solidFill>
+            <a:schemeClr val="bg1"/>
+          </a:solidFill>
+          <a:ln>
+            <a:solidFill>
+              <a:schemeClr val="tx1"/>
+            </a:solidFill>
+          </a:ln>
+        </p:spPr>
+        <p:style>
+          <a:lnRef idx="2">
+            <a:schemeClr val="accent1">
+              <a:shade val="50000"/>
+            </a:schemeClr>
+          </a:lnRef>
+          <a:fillRef idx="1">
+            <a:schemeClr val="accent1"/>
+          </a:fillRef>
+          <a:effectRef idx="0">
+            <a:schemeClr val="accent1"/>
+          </a:effectRef>
+          <a:fontRef idx="minor">
+            <a:schemeClr val="lt1"/>
+          </a:fontRef>
+        </p:style>
+        <p:txBody>
+          <a:bodyPr rtlCol="0" anchor="ctr"/>
+          <a:lstStyle/>
+          <a:p>
+            <a:pPr algn="ctr"/>
+            <a:r>
+              <a:rPr lang="de-DE" sz="1100" dirty="0">
+                <a:solidFill>
+                  <a:schemeClr val="tx1"/>
+                </a:solidFill>
+              </a:rPr>
+              <a:t>APP_READ_VCC</a:t>
+            </a:r>
+          </a:p>
+          <a:p>
+            <a:pPr algn="ctr"/>
+            <a:r>
+              <a:rPr lang="de-DE" sz="1100" dirty="0" err="1">
+                <a:solidFill>
+                  <a:schemeClr val="tx1"/>
+                </a:solidFill>
+              </a:rPr>
+              <a:t>voltage</a:t>
+            </a:r>
+            <a:r>
+              <a:rPr lang="de-DE" sz="1100" dirty="0">
+                <a:solidFill>
+                  <a:schemeClr val="tx1"/>
+                </a:solidFill>
+              </a:rPr>
+              <a:t> = </a:t>
+            </a:r>
+            <a:r>
+              <a:rPr lang="de-DE" sz="1100" dirty="0" err="1">
+                <a:solidFill>
+                  <a:schemeClr val="tx1"/>
+                </a:solidFill>
+              </a:rPr>
+              <a:t>vcc_read</a:t>
+            </a:r>
+            <a:r>
+              <a:rPr lang="de-DE" sz="1100" dirty="0">
+                <a:solidFill>
+                  <a:schemeClr val="tx1"/>
+                </a:solidFill>
+              </a:rPr>
+              <a:t>()</a:t>
+            </a:r>
+          </a:p>
+        </p:txBody>
+      </p:sp>
+      <p:sp>
+        <p:nvSpPr>
+          <p:cNvPr id="4" name="Rechteck: abgerundete Ecken 3">
+            <a:extLst>
+              <a:ext uri="{FF2B5EF4-FFF2-40B4-BE49-F238E27FC236}">
+                <a16:creationId xmlns:a16="http://schemas.microsoft.com/office/drawing/2014/main" id="{B502A382-ECE1-4C8B-93EE-36F139E6DC72}"/>
+              </a:ext>
+            </a:extLst>
+          </p:cNvPr>
+          <p:cNvSpPr/>
+          <p:nvPr/>
+        </p:nvSpPr>
+        <p:spPr>
+          <a:xfrm>
+            <a:off x="734668" y="5850132"/>
+            <a:ext cx="2450592" cy="792480"/>
+          </a:xfrm>
+          <a:prstGeom prst="roundRect">
+            <a:avLst/>
+          </a:prstGeom>
+          <a:solidFill>
+            <a:schemeClr val="bg1"/>
+          </a:solidFill>
+          <a:ln>
+            <a:solidFill>
+              <a:schemeClr val="tx1"/>
+            </a:solidFill>
+          </a:ln>
+        </p:spPr>
+        <p:style>
+          <a:lnRef idx="2">
+            <a:schemeClr val="accent1">
+              <a:shade val="50000"/>
+            </a:schemeClr>
+          </a:lnRef>
+          <a:fillRef idx="1">
+            <a:schemeClr val="accent1"/>
+          </a:fillRef>
+          <a:effectRef idx="0">
+            <a:schemeClr val="accent1"/>
+          </a:effectRef>
+          <a:fontRef idx="minor">
+            <a:schemeClr val="lt1"/>
+          </a:fontRef>
+        </p:style>
+        <p:txBody>
+          <a:bodyPr rtlCol="0" anchor="ctr"/>
+          <a:lstStyle/>
+          <a:p>
+            <a:pPr algn="ctr"/>
+            <a:r>
+              <a:rPr lang="de-DE" sz="1100" dirty="0">
+                <a:solidFill>
+                  <a:schemeClr val="tx1"/>
+                </a:solidFill>
+              </a:rPr>
+              <a:t>APP_AUSGABE_STATE</a:t>
+            </a:r>
+          </a:p>
+          <a:p>
+            <a:pPr algn="ctr"/>
+            <a:r>
+              <a:rPr lang="de-DE" sz="1100" dirty="0" err="1">
+                <a:solidFill>
+                  <a:schemeClr val="tx1"/>
+                </a:solidFill>
+              </a:rPr>
+              <a:t>calculateOutputSCD</a:t>
+            </a:r>
+            <a:r>
+              <a:rPr lang="de-DE" sz="1100" dirty="0">
+                <a:solidFill>
+                  <a:schemeClr val="tx1"/>
+                </a:solidFill>
+              </a:rPr>
+              <a:t>()</a:t>
+            </a:r>
+          </a:p>
+          <a:p>
+            <a:pPr algn="ctr"/>
+            <a:r>
+              <a:rPr lang="de-DE" sz="1100" dirty="0" err="1">
+                <a:solidFill>
+                  <a:schemeClr val="tx1"/>
+                </a:solidFill>
+              </a:rPr>
+              <a:t>calculateOutputSHT</a:t>
+            </a:r>
+            <a:r>
+              <a:rPr lang="de-DE" sz="1100" dirty="0">
+                <a:solidFill>
+                  <a:schemeClr val="tx1"/>
+                </a:solidFill>
+              </a:rPr>
+              <a:t>()</a:t>
+            </a:r>
+          </a:p>
+          <a:p>
+            <a:pPr algn="ctr"/>
+            <a:r>
+              <a:rPr lang="de-DE" sz="1100" dirty="0" err="1">
+                <a:solidFill>
+                  <a:schemeClr val="tx1"/>
+                </a:solidFill>
+              </a:rPr>
+              <a:t>calculateCSS</a:t>
+            </a:r>
+            <a:r>
+              <a:rPr lang="de-DE" sz="1100" dirty="0">
+                <a:solidFill>
+                  <a:schemeClr val="tx1"/>
+                </a:solidFill>
+              </a:rPr>
+              <a:t>()</a:t>
+            </a:r>
+          </a:p>
+        </p:txBody>
+      </p:sp>
+      <p:sp>
+        <p:nvSpPr>
+          <p:cNvPr id="5" name="Rechteck: abgerundete Ecken 4">
+            <a:extLst>
+              <a:ext uri="{FF2B5EF4-FFF2-40B4-BE49-F238E27FC236}">
+                <a16:creationId xmlns:a16="http://schemas.microsoft.com/office/drawing/2014/main" id="{9FF99873-71A5-4C0A-A59B-40B616A24963}"/>
+              </a:ext>
+            </a:extLst>
+          </p:cNvPr>
+          <p:cNvSpPr/>
+          <p:nvPr/>
+        </p:nvSpPr>
+        <p:spPr>
+          <a:xfrm>
+            <a:off x="734668" y="7045092"/>
+            <a:ext cx="2450592" cy="802640"/>
+          </a:xfrm>
+          <a:prstGeom prst="roundRect">
+            <a:avLst/>
+          </a:prstGeom>
+          <a:solidFill>
+            <a:schemeClr val="bg1"/>
+          </a:solidFill>
+          <a:ln>
+            <a:solidFill>
+              <a:schemeClr val="tx1"/>
+            </a:solidFill>
+          </a:ln>
+        </p:spPr>
+        <p:style>
+          <a:lnRef idx="2">
+            <a:schemeClr val="accent1">
+              <a:shade val="50000"/>
+            </a:schemeClr>
+          </a:lnRef>
+          <a:fillRef idx="1">
+            <a:schemeClr val="accent1"/>
+          </a:fillRef>
+          <a:effectRef idx="0">
+            <a:schemeClr val="accent1"/>
+          </a:effectRef>
+          <a:fontRef idx="minor">
+            <a:schemeClr val="lt1"/>
+          </a:fontRef>
+        </p:style>
+        <p:txBody>
+          <a:bodyPr rtlCol="0" anchor="ctr"/>
+          <a:lstStyle/>
+          <a:p>
+            <a:pPr algn="ctr"/>
+            <a:r>
+              <a:rPr lang="de-DE" sz="1100" dirty="0">
+                <a:solidFill>
+                  <a:schemeClr val="tx1"/>
+                </a:solidFill>
+              </a:rPr>
+              <a:t>APP_TRANSMIT</a:t>
+            </a:r>
+          </a:p>
+          <a:p>
+            <a:pPr algn="ctr"/>
+            <a:r>
+              <a:rPr lang="de-DE" sz="1100" dirty="0" err="1">
+                <a:solidFill>
+                  <a:schemeClr val="tx1"/>
+                </a:solidFill>
+              </a:rPr>
+              <a:t>fill_transmit_data</a:t>
+            </a:r>
+            <a:r>
+              <a:rPr lang="de-DE" sz="1100" dirty="0">
+                <a:solidFill>
+                  <a:schemeClr val="tx1"/>
+                </a:solidFill>
+              </a:rPr>
+              <a:t>()</a:t>
+            </a:r>
+          </a:p>
+          <a:p>
+            <a:pPr algn="ctr"/>
+            <a:r>
+              <a:rPr lang="de-DE" sz="1100" dirty="0" err="1">
+                <a:solidFill>
+                  <a:schemeClr val="tx1"/>
+                </a:solidFill>
+              </a:rPr>
+              <a:t>APS_DataReq</a:t>
+            </a:r>
+            <a:r>
+              <a:rPr lang="de-DE" sz="1100" dirty="0">
+                <a:solidFill>
+                  <a:schemeClr val="tx1"/>
+                </a:solidFill>
+              </a:rPr>
+              <a:t>(&amp;</a:t>
+            </a:r>
+            <a:r>
+              <a:rPr lang="de-DE" sz="1100" dirty="0" err="1">
+                <a:solidFill>
+                  <a:schemeClr val="tx1"/>
+                </a:solidFill>
+              </a:rPr>
+              <a:t>dataReq</a:t>
+            </a:r>
+            <a:r>
+              <a:rPr lang="de-DE" sz="1100" dirty="0">
+                <a:solidFill>
+                  <a:schemeClr val="tx1"/>
+                </a:solidFill>
+              </a:rPr>
+              <a:t>)</a:t>
+            </a:r>
+          </a:p>
+        </p:txBody>
+      </p:sp>
+      <p:sp>
+        <p:nvSpPr>
+          <p:cNvPr id="6" name="Rechteck: abgerundete Ecken 5">
+            <a:extLst>
+              <a:ext uri="{FF2B5EF4-FFF2-40B4-BE49-F238E27FC236}">
+                <a16:creationId xmlns:a16="http://schemas.microsoft.com/office/drawing/2014/main" id="{4998B2BB-D862-47B2-9299-6EA9825BAD85}"/>
+              </a:ext>
+            </a:extLst>
+          </p:cNvPr>
+          <p:cNvSpPr/>
+          <p:nvPr/>
+        </p:nvSpPr>
+        <p:spPr>
+          <a:xfrm>
+            <a:off x="3926274" y="2708667"/>
+            <a:ext cx="2699378" cy="678403"/>
+          </a:xfrm>
+          <a:prstGeom prst="roundRect">
+            <a:avLst/>
+          </a:prstGeom>
+          <a:solidFill>
+            <a:schemeClr val="bg1"/>
+          </a:solidFill>
+          <a:ln>
+            <a:solidFill>
+              <a:schemeClr val="tx1"/>
+            </a:solidFill>
+          </a:ln>
+        </p:spPr>
+        <p:style>
+          <a:lnRef idx="2">
+            <a:schemeClr val="accent1">
+              <a:shade val="50000"/>
+            </a:schemeClr>
+          </a:lnRef>
+          <a:fillRef idx="1">
+            <a:schemeClr val="accent1"/>
+          </a:fillRef>
+          <a:effectRef idx="0">
+            <a:schemeClr val="accent1"/>
+          </a:effectRef>
+          <a:fontRef idx="minor">
+            <a:schemeClr val="lt1"/>
+          </a:fontRef>
+        </p:style>
+        <p:txBody>
+          <a:bodyPr rtlCol="0" anchor="ctr"/>
+          <a:lstStyle/>
+          <a:p>
+            <a:pPr algn="ctr"/>
+            <a:r>
+              <a:rPr lang="de-DE" sz="1100" dirty="0">
+                <a:solidFill>
+                  <a:schemeClr val="tx1"/>
+                </a:solidFill>
+              </a:rPr>
+              <a:t>APP_STARTJOIN_NETWORK</a:t>
+            </a:r>
+          </a:p>
+          <a:p>
+            <a:pPr algn="ctr"/>
+            <a:endParaRPr lang="de-DE" sz="1100" dirty="0">
+              <a:solidFill>
+                <a:schemeClr val="tx1"/>
+              </a:solidFill>
+            </a:endParaRPr>
+          </a:p>
+          <a:p>
+            <a:pPr algn="ctr"/>
+            <a:r>
+              <a:rPr lang="de-DE" sz="1100" dirty="0" err="1">
+                <a:solidFill>
+                  <a:schemeClr val="tx1"/>
+                </a:solidFill>
+              </a:rPr>
+              <a:t>ZDO_StartNetworkReq</a:t>
+            </a:r>
+            <a:r>
+              <a:rPr lang="de-DE" sz="1100" dirty="0">
+                <a:solidFill>
+                  <a:schemeClr val="tx1"/>
+                </a:solidFill>
+              </a:rPr>
+              <a:t>(&amp;</a:t>
+            </a:r>
+            <a:r>
+              <a:rPr lang="de-DE" sz="1100" dirty="0" err="1">
+                <a:solidFill>
+                  <a:schemeClr val="tx1"/>
+                </a:solidFill>
+              </a:rPr>
+              <a:t>networkParams</a:t>
+            </a:r>
+            <a:r>
+              <a:rPr lang="de-DE" sz="1100" dirty="0">
+                <a:solidFill>
+                  <a:schemeClr val="tx1"/>
+                </a:solidFill>
+              </a:rPr>
+              <a:t>)</a:t>
+            </a:r>
+          </a:p>
+          <a:p>
+            <a:pPr algn="ctr"/>
+            <a:endParaRPr lang="de-DE" sz="1100" dirty="0">
+              <a:solidFill>
+                <a:schemeClr val="tx1"/>
+              </a:solidFill>
+            </a:endParaRPr>
+          </a:p>
+        </p:txBody>
+      </p:sp>
+      <p:sp>
+        <p:nvSpPr>
+          <p:cNvPr id="7" name="Rechteck: abgerundete Ecken 6">
+            <a:extLst>
+              <a:ext uri="{FF2B5EF4-FFF2-40B4-BE49-F238E27FC236}">
+                <a16:creationId xmlns:a16="http://schemas.microsoft.com/office/drawing/2014/main" id="{F8751292-2985-4A43-9CF3-473259EEF30C}"/>
+              </a:ext>
+            </a:extLst>
+          </p:cNvPr>
+          <p:cNvSpPr/>
+          <p:nvPr/>
+        </p:nvSpPr>
+        <p:spPr>
+          <a:xfrm>
+            <a:off x="4044180" y="1662516"/>
+            <a:ext cx="2450592" cy="733386"/>
+          </a:xfrm>
+          <a:prstGeom prst="roundRect">
+            <a:avLst/>
+          </a:prstGeom>
+          <a:solidFill>
+            <a:schemeClr val="bg1"/>
+          </a:solidFill>
+          <a:ln>
+            <a:solidFill>
+              <a:schemeClr val="tx1"/>
+            </a:solidFill>
+          </a:ln>
+        </p:spPr>
+        <p:style>
+          <a:lnRef idx="2">
+            <a:schemeClr val="accent1">
+              <a:shade val="50000"/>
+            </a:schemeClr>
+          </a:lnRef>
+          <a:fillRef idx="1">
+            <a:schemeClr val="accent1"/>
+          </a:fillRef>
+          <a:effectRef idx="0">
+            <a:schemeClr val="accent1"/>
+          </a:effectRef>
+          <a:fontRef idx="minor">
+            <a:schemeClr val="lt1"/>
+          </a:fontRef>
+        </p:style>
+        <p:txBody>
+          <a:bodyPr rtlCol="0" anchor="ctr"/>
+          <a:lstStyle/>
+          <a:p>
+            <a:pPr algn="ctr"/>
+            <a:r>
+              <a:rPr lang="de-DE" sz="1100" dirty="0">
+                <a:solidFill>
+                  <a:schemeClr val="tx1"/>
+                </a:solidFill>
+              </a:rPr>
+              <a:t>APP_STARTUP_STATE</a:t>
+            </a:r>
+          </a:p>
+          <a:p>
+            <a:pPr algn="ctr"/>
+            <a:r>
+              <a:rPr lang="de-DE" sz="1100" dirty="0" err="1">
+                <a:solidFill>
+                  <a:schemeClr val="tx1"/>
+                </a:solidFill>
+              </a:rPr>
+              <a:t>appInitUsartManager</a:t>
+            </a:r>
+            <a:r>
+              <a:rPr lang="de-DE" sz="1100" dirty="0">
+                <a:solidFill>
+                  <a:schemeClr val="tx1"/>
+                </a:solidFill>
+              </a:rPr>
+              <a:t>()</a:t>
+            </a:r>
+          </a:p>
+          <a:p>
+            <a:pPr algn="ctr"/>
+            <a:r>
+              <a:rPr lang="de-DE" sz="1100" dirty="0" err="1">
+                <a:solidFill>
+                  <a:schemeClr val="tx1"/>
+                </a:solidFill>
+              </a:rPr>
+              <a:t>initTimer</a:t>
+            </a:r>
+            <a:r>
+              <a:rPr lang="de-DE" sz="1100" dirty="0">
+                <a:solidFill>
+                  <a:schemeClr val="tx1"/>
+                </a:solidFill>
+              </a:rPr>
+              <a:t>()</a:t>
+            </a:r>
+          </a:p>
+          <a:p>
+            <a:pPr algn="ctr"/>
+            <a:r>
+              <a:rPr lang="de-DE" sz="1100" dirty="0" err="1">
+                <a:solidFill>
+                  <a:schemeClr val="tx1"/>
+                </a:solidFill>
+              </a:rPr>
+              <a:t>BSP_OpenLeds</a:t>
+            </a:r>
+            <a:r>
+              <a:rPr lang="de-DE" sz="1100" dirty="0">
+                <a:solidFill>
+                  <a:schemeClr val="tx1"/>
+                </a:solidFill>
+              </a:rPr>
+              <a:t>()</a:t>
+            </a:r>
+          </a:p>
+        </p:txBody>
+      </p:sp>
+      <p:sp>
+        <p:nvSpPr>
+          <p:cNvPr id="8" name="Rechteck: abgerundete Ecken 7">
+            <a:extLst>
+              <a:ext uri="{FF2B5EF4-FFF2-40B4-BE49-F238E27FC236}">
+                <a16:creationId xmlns:a16="http://schemas.microsoft.com/office/drawing/2014/main" id="{CE1004B2-F123-4D3D-A8AA-69CB906499DA}"/>
+              </a:ext>
+            </a:extLst>
+          </p:cNvPr>
+          <p:cNvSpPr/>
+          <p:nvPr/>
+        </p:nvSpPr>
+        <p:spPr>
+          <a:xfrm>
+            <a:off x="4044180" y="3766449"/>
+            <a:ext cx="2450592" cy="678403"/>
+          </a:xfrm>
+          <a:prstGeom prst="roundRect">
+            <a:avLst/>
+          </a:prstGeom>
+          <a:solidFill>
+            <a:schemeClr val="bg1"/>
+          </a:solidFill>
+          <a:ln>
+            <a:solidFill>
+              <a:schemeClr val="tx1"/>
+            </a:solidFill>
+          </a:ln>
+        </p:spPr>
+        <p:style>
+          <a:lnRef idx="2">
+            <a:schemeClr val="accent1">
+              <a:shade val="50000"/>
+            </a:schemeClr>
+          </a:lnRef>
+          <a:fillRef idx="1">
+            <a:schemeClr val="accent1"/>
+          </a:fillRef>
+          <a:effectRef idx="0">
+            <a:schemeClr val="accent1"/>
+          </a:effectRef>
+          <a:fontRef idx="minor">
+            <a:schemeClr val="lt1"/>
+          </a:fontRef>
+        </p:style>
+        <p:txBody>
+          <a:bodyPr rtlCol="0" anchor="ctr"/>
+          <a:lstStyle/>
+          <a:p>
+            <a:pPr algn="ctr"/>
+            <a:r>
+              <a:rPr lang="de-DE" sz="1100" dirty="0">
+                <a:solidFill>
+                  <a:schemeClr val="tx1"/>
+                </a:solidFill>
+              </a:rPr>
+              <a:t>APP_INIT_ENDPOINT</a:t>
+            </a:r>
+          </a:p>
+          <a:p>
+            <a:pPr algn="ctr"/>
+            <a:r>
+              <a:rPr lang="de-DE" sz="1100" dirty="0" err="1">
+                <a:solidFill>
+                  <a:schemeClr val="tx1"/>
+                </a:solidFill>
+              </a:rPr>
+              <a:t>initEndpoint</a:t>
+            </a:r>
+            <a:r>
+              <a:rPr lang="de-DE" sz="1100" dirty="0">
+                <a:solidFill>
+                  <a:schemeClr val="tx1"/>
+                </a:solidFill>
+              </a:rPr>
+              <a:t>()</a:t>
+            </a:r>
+          </a:p>
+          <a:p>
+            <a:pPr algn="ctr"/>
+            <a:endParaRPr lang="de-DE" sz="1100" dirty="0">
+              <a:solidFill>
+                <a:schemeClr val="tx1"/>
+              </a:solidFill>
+            </a:endParaRPr>
+          </a:p>
+        </p:txBody>
+      </p:sp>
+      <p:cxnSp>
+        <p:nvCxnSpPr>
+          <p:cNvPr id="10" name="Gerade Verbindung mit Pfeil 9">
+            <a:extLst>
+              <a:ext uri="{FF2B5EF4-FFF2-40B4-BE49-F238E27FC236}">
+                <a16:creationId xmlns:a16="http://schemas.microsoft.com/office/drawing/2014/main" id="{6318369B-9B31-4DCC-90E0-3AB1783F3DCE}"/>
+              </a:ext>
+            </a:extLst>
+          </p:cNvPr>
+          <p:cNvCxnSpPr>
+            <a:cxnSpLocks/>
+            <a:endCxn id="3" idx="0"/>
+          </p:cNvCxnSpPr>
+          <p:nvPr/>
+        </p:nvCxnSpPr>
+        <p:spPr>
+          <a:xfrm>
+            <a:off x="1959964" y="4246063"/>
+            <a:ext cx="0" cy="404664"/>
+          </a:xfrm>
+          <a:prstGeom prst="straightConnector1">
+            <a:avLst/>
+          </a:prstGeom>
+          <a:ln>
+            <a:tailEnd type="triangle"/>
+          </a:ln>
+        </p:spPr>
+        <p:style>
+          <a:lnRef idx="1">
+            <a:schemeClr val="dk1"/>
+          </a:lnRef>
+          <a:fillRef idx="0">
+            <a:schemeClr val="dk1"/>
+          </a:fillRef>
+          <a:effectRef idx="0">
+            <a:schemeClr val="dk1"/>
+          </a:effectRef>
+          <a:fontRef idx="minor">
+            <a:schemeClr val="tx1"/>
+          </a:fontRef>
+        </p:style>
+      </p:cxnSp>
+      <p:cxnSp>
+        <p:nvCxnSpPr>
+          <p:cNvPr id="11" name="Gerade Verbindung mit Pfeil 10">
+            <a:extLst>
+              <a:ext uri="{FF2B5EF4-FFF2-40B4-BE49-F238E27FC236}">
+                <a16:creationId xmlns:a16="http://schemas.microsoft.com/office/drawing/2014/main" id="{FFCA0A28-F0CB-438D-828C-D992AFA928DB}"/>
+              </a:ext>
+            </a:extLst>
+          </p:cNvPr>
+          <p:cNvCxnSpPr>
+            <a:cxnSpLocks/>
+            <a:stCxn id="3" idx="2"/>
+            <a:endCxn id="4" idx="0"/>
+          </p:cNvCxnSpPr>
+          <p:nvPr/>
+        </p:nvCxnSpPr>
+        <p:spPr>
+          <a:xfrm>
+            <a:off x="1959964" y="5443207"/>
+            <a:ext cx="0" cy="406925"/>
+          </a:xfrm>
+          <a:prstGeom prst="straightConnector1">
+            <a:avLst/>
+          </a:prstGeom>
+          <a:ln>
+            <a:tailEnd type="triangle"/>
+          </a:ln>
+        </p:spPr>
+        <p:style>
+          <a:lnRef idx="1">
+            <a:schemeClr val="dk1"/>
+          </a:lnRef>
+          <a:fillRef idx="0">
+            <a:schemeClr val="dk1"/>
+          </a:fillRef>
+          <a:effectRef idx="0">
+            <a:schemeClr val="dk1"/>
+          </a:effectRef>
+          <a:fontRef idx="minor">
+            <a:schemeClr val="tx1"/>
+          </a:fontRef>
+        </p:style>
+      </p:cxnSp>
+      <p:cxnSp>
+        <p:nvCxnSpPr>
+          <p:cNvPr id="12" name="Gerade Verbindung mit Pfeil 11">
+            <a:extLst>
+              <a:ext uri="{FF2B5EF4-FFF2-40B4-BE49-F238E27FC236}">
+                <a16:creationId xmlns:a16="http://schemas.microsoft.com/office/drawing/2014/main" id="{EAFD4756-60D3-4621-916E-9A3473240405}"/>
+              </a:ext>
+            </a:extLst>
+          </p:cNvPr>
+          <p:cNvCxnSpPr>
+            <a:cxnSpLocks/>
+            <a:stCxn id="4" idx="2"/>
+            <a:endCxn id="5" idx="0"/>
+          </p:cNvCxnSpPr>
+          <p:nvPr/>
+        </p:nvCxnSpPr>
+        <p:spPr>
+          <a:xfrm>
+            <a:off x="1959964" y="6642612"/>
+            <a:ext cx="0" cy="402480"/>
+          </a:xfrm>
+          <a:prstGeom prst="straightConnector1">
+            <a:avLst/>
+          </a:prstGeom>
+          <a:ln>
+            <a:tailEnd type="triangle"/>
+          </a:ln>
+        </p:spPr>
+        <p:style>
+          <a:lnRef idx="1">
+            <a:schemeClr val="dk1"/>
+          </a:lnRef>
+          <a:fillRef idx="0">
+            <a:schemeClr val="dk1"/>
+          </a:fillRef>
+          <a:effectRef idx="0">
+            <a:schemeClr val="dk1"/>
+          </a:effectRef>
+          <a:fontRef idx="minor">
+            <a:schemeClr val="tx1"/>
+          </a:fontRef>
+        </p:style>
+      </p:cxnSp>
+      <p:cxnSp>
+        <p:nvCxnSpPr>
+          <p:cNvPr id="13" name="Gerade Verbindung mit Pfeil 12">
+            <a:extLst>
+              <a:ext uri="{FF2B5EF4-FFF2-40B4-BE49-F238E27FC236}">
+                <a16:creationId xmlns:a16="http://schemas.microsoft.com/office/drawing/2014/main" id="{AC96FA9F-8CC6-41F2-8D63-D5A272C40097}"/>
+              </a:ext>
+            </a:extLst>
+          </p:cNvPr>
+          <p:cNvCxnSpPr>
+            <a:cxnSpLocks/>
+          </p:cNvCxnSpPr>
+          <p:nvPr/>
+        </p:nvCxnSpPr>
+        <p:spPr>
+          <a:xfrm>
+            <a:off x="1959964" y="7847732"/>
+            <a:ext cx="0" cy="801592"/>
+          </a:xfrm>
+          <a:prstGeom prst="straightConnector1">
+            <a:avLst/>
+          </a:prstGeom>
+          <a:ln>
+            <a:tailEnd type="triangle"/>
+          </a:ln>
+        </p:spPr>
+        <p:style>
+          <a:lnRef idx="1">
+            <a:schemeClr val="dk1"/>
+          </a:lnRef>
+          <a:fillRef idx="0">
+            <a:schemeClr val="dk1"/>
+          </a:fillRef>
+          <a:effectRef idx="0">
+            <a:schemeClr val="dk1"/>
+          </a:effectRef>
+          <a:fontRef idx="minor">
+            <a:schemeClr val="tx1"/>
+          </a:fontRef>
+        </p:style>
+      </p:cxnSp>
+      <p:cxnSp>
+        <p:nvCxnSpPr>
+          <p:cNvPr id="14" name="Gerade Verbindung mit Pfeil 13">
+            <a:extLst>
+              <a:ext uri="{FF2B5EF4-FFF2-40B4-BE49-F238E27FC236}">
+                <a16:creationId xmlns:a16="http://schemas.microsoft.com/office/drawing/2014/main" id="{1A147F67-FDB2-4BA1-9DD2-0550780DB261}"/>
+              </a:ext>
+            </a:extLst>
+          </p:cNvPr>
+          <p:cNvCxnSpPr>
+            <a:cxnSpLocks/>
+            <a:stCxn id="7" idx="2"/>
+            <a:endCxn id="6" idx="0"/>
+          </p:cNvCxnSpPr>
+          <p:nvPr/>
+        </p:nvCxnSpPr>
+        <p:spPr>
+          <a:xfrm>
+            <a:off x="5269476" y="2395902"/>
+            <a:ext cx="6487" cy="312765"/>
+          </a:xfrm>
+          <a:prstGeom prst="straightConnector1">
+            <a:avLst/>
+          </a:prstGeom>
+          <a:ln>
+            <a:tailEnd type="triangle"/>
+          </a:ln>
+        </p:spPr>
+        <p:style>
+          <a:lnRef idx="1">
+            <a:schemeClr val="dk1"/>
+          </a:lnRef>
+          <a:fillRef idx="0">
+            <a:schemeClr val="dk1"/>
+          </a:fillRef>
+          <a:effectRef idx="0">
+            <a:schemeClr val="dk1"/>
+          </a:effectRef>
+          <a:fontRef idx="minor">
+            <a:schemeClr val="tx1"/>
+          </a:fontRef>
+        </p:style>
+      </p:cxnSp>
+      <p:cxnSp>
+        <p:nvCxnSpPr>
+          <p:cNvPr id="15" name="Gerade Verbindung mit Pfeil 14">
+            <a:extLst>
+              <a:ext uri="{FF2B5EF4-FFF2-40B4-BE49-F238E27FC236}">
+                <a16:creationId xmlns:a16="http://schemas.microsoft.com/office/drawing/2014/main" id="{809E6181-1A55-40C5-867B-DE01EFFDBBD3}"/>
+              </a:ext>
+            </a:extLst>
+          </p:cNvPr>
+          <p:cNvCxnSpPr>
+            <a:cxnSpLocks/>
+            <a:stCxn id="6" idx="2"/>
+            <a:endCxn id="8" idx="0"/>
+          </p:cNvCxnSpPr>
+          <p:nvPr/>
+        </p:nvCxnSpPr>
+        <p:spPr>
+          <a:xfrm flipH="1">
+            <a:off x="5269476" y="3387070"/>
+            <a:ext cx="6487" cy="379379"/>
+          </a:xfrm>
+          <a:prstGeom prst="straightConnector1">
+            <a:avLst/>
+          </a:prstGeom>
+          <a:ln>
+            <a:tailEnd type="triangle"/>
+          </a:ln>
+        </p:spPr>
+        <p:style>
+          <a:lnRef idx="1">
+            <a:schemeClr val="dk1"/>
+          </a:lnRef>
+          <a:fillRef idx="0">
+            <a:schemeClr val="dk1"/>
+          </a:fillRef>
+          <a:effectRef idx="0">
+            <a:schemeClr val="dk1"/>
+          </a:effectRef>
+          <a:fontRef idx="minor">
+            <a:schemeClr val="tx1"/>
+          </a:fontRef>
+        </p:style>
+      </p:cxnSp>
+      <p:cxnSp>
+        <p:nvCxnSpPr>
+          <p:cNvPr id="16" name="Gerade Verbindung mit Pfeil 15">
+            <a:extLst>
+              <a:ext uri="{FF2B5EF4-FFF2-40B4-BE49-F238E27FC236}">
+                <a16:creationId xmlns:a16="http://schemas.microsoft.com/office/drawing/2014/main" id="{6BF44F61-2BD5-4565-8E0B-269E2212DF13}"/>
+              </a:ext>
+            </a:extLst>
+          </p:cNvPr>
+          <p:cNvCxnSpPr>
+            <a:cxnSpLocks/>
+            <a:stCxn id="8" idx="2"/>
+          </p:cNvCxnSpPr>
+          <p:nvPr/>
+        </p:nvCxnSpPr>
+        <p:spPr>
+          <a:xfrm>
+            <a:off x="5269476" y="4444852"/>
+            <a:ext cx="0" cy="427179"/>
+          </a:xfrm>
+          <a:prstGeom prst="straightConnector1">
+            <a:avLst/>
+          </a:prstGeom>
+          <a:ln>
+            <a:tailEnd type="triangle"/>
+          </a:ln>
+        </p:spPr>
+        <p:style>
+          <a:lnRef idx="1">
+            <a:schemeClr val="dk1"/>
+          </a:lnRef>
+          <a:fillRef idx="0">
+            <a:schemeClr val="dk1"/>
+          </a:fillRef>
+          <a:effectRef idx="0">
+            <a:schemeClr val="dk1"/>
+          </a:effectRef>
+          <a:fontRef idx="minor">
+            <a:schemeClr val="tx1"/>
+          </a:fontRef>
+        </p:style>
+      </p:cxnSp>
+      <p:sp>
+        <p:nvSpPr>
+          <p:cNvPr id="19" name="Textfeld 18">
+            <a:extLst>
+              <a:ext uri="{FF2B5EF4-FFF2-40B4-BE49-F238E27FC236}">
+                <a16:creationId xmlns:a16="http://schemas.microsoft.com/office/drawing/2014/main" id="{00236226-F93D-4D29-9B50-5F55600320C6}"/>
+              </a:ext>
+            </a:extLst>
+          </p:cNvPr>
+          <p:cNvSpPr txBox="1"/>
+          <p:nvPr/>
+        </p:nvSpPr>
+        <p:spPr>
+          <a:xfrm>
+            <a:off x="887734" y="3974497"/>
+            <a:ext cx="2297526" cy="538609"/>
+          </a:xfrm>
+          <a:prstGeom prst="rect">
+            <a:avLst/>
+          </a:prstGeom>
+          <a:noFill/>
+        </p:spPr>
+        <p:txBody>
+          <a:bodyPr wrap="square" rtlCol="0">
+            <a:spAutoFit/>
+          </a:bodyPr>
+          <a:lstStyle/>
+          <a:p>
+            <a:r>
+              <a:rPr lang="de-DE" sz="1050" dirty="0">
+                <a:solidFill>
+                  <a:schemeClr val="tx1"/>
+                </a:solidFill>
+              </a:rPr>
+              <a:t>APP_CCS_READ_RESULT_REG_STATE</a:t>
+            </a:r>
+          </a:p>
+          <a:p>
+            <a:endParaRPr lang="en-DE" dirty="0"/>
+          </a:p>
+        </p:txBody>
+      </p:sp>
+      <p:sp>
+        <p:nvSpPr>
+          <p:cNvPr id="22" name="Textfeld 21">
+            <a:extLst>
+              <a:ext uri="{FF2B5EF4-FFF2-40B4-BE49-F238E27FC236}">
+                <a16:creationId xmlns:a16="http://schemas.microsoft.com/office/drawing/2014/main" id="{42B7D6F6-B706-4A58-909B-67E4AE7640C0}"/>
+              </a:ext>
+            </a:extLst>
+          </p:cNvPr>
+          <p:cNvSpPr txBox="1"/>
+          <p:nvPr/>
+        </p:nvSpPr>
+        <p:spPr>
+          <a:xfrm>
+            <a:off x="1959964" y="8121570"/>
+            <a:ext cx="1469036" cy="253916"/>
+          </a:xfrm>
+          <a:prstGeom prst="rect">
+            <a:avLst/>
+          </a:prstGeom>
+          <a:noFill/>
+        </p:spPr>
+        <p:txBody>
+          <a:bodyPr wrap="square" rtlCol="0">
+            <a:spAutoFit/>
+          </a:bodyPr>
+          <a:lstStyle/>
+          <a:p>
+            <a:r>
+              <a:rPr lang="de-DE" sz="1050" dirty="0"/>
+              <a:t>60s</a:t>
+            </a:r>
+            <a:endParaRPr lang="en-DE" sz="1050" dirty="0"/>
+          </a:p>
+        </p:txBody>
+      </p:sp>
+      <p:sp>
+        <p:nvSpPr>
+          <p:cNvPr id="24" name="Rechteck: abgerundete Ecken 23">
+            <a:extLst>
+              <a:ext uri="{FF2B5EF4-FFF2-40B4-BE49-F238E27FC236}">
+                <a16:creationId xmlns:a16="http://schemas.microsoft.com/office/drawing/2014/main" id="{24154495-C416-4C5D-99C6-15732923EA25}"/>
+              </a:ext>
+            </a:extLst>
+          </p:cNvPr>
+          <p:cNvSpPr/>
+          <p:nvPr/>
+        </p:nvSpPr>
+        <p:spPr>
+          <a:xfrm>
+            <a:off x="4044180" y="4882494"/>
+            <a:ext cx="2450592" cy="678403"/>
+          </a:xfrm>
+          <a:prstGeom prst="roundRect">
+            <a:avLst/>
+          </a:prstGeom>
+          <a:solidFill>
+            <a:schemeClr val="bg1"/>
+          </a:solidFill>
+          <a:ln>
+            <a:solidFill>
+              <a:schemeClr val="tx1"/>
+            </a:solidFill>
+          </a:ln>
+        </p:spPr>
+        <p:style>
+          <a:lnRef idx="2">
+            <a:schemeClr val="accent1">
+              <a:shade val="50000"/>
+            </a:schemeClr>
+          </a:lnRef>
+          <a:fillRef idx="1">
+            <a:schemeClr val="accent1"/>
+          </a:fillRef>
+          <a:effectRef idx="0">
+            <a:schemeClr val="accent1"/>
+          </a:effectRef>
+          <a:fontRef idx="minor">
+            <a:schemeClr val="lt1"/>
+          </a:fontRef>
+        </p:style>
+        <p:txBody>
+          <a:bodyPr rtlCol="0" anchor="ctr"/>
+          <a:lstStyle/>
+          <a:p>
+            <a:pPr algn="ctr"/>
+            <a:r>
+              <a:rPr lang="de-DE" sz="1100" dirty="0">
+                <a:solidFill>
+                  <a:schemeClr val="tx1"/>
+                </a:solidFill>
+              </a:rPr>
+              <a:t>APP_INIT_TRANSMITDATA</a:t>
+            </a:r>
+          </a:p>
+          <a:p>
+            <a:pPr algn="ctr"/>
+            <a:r>
+              <a:rPr lang="de-DE" sz="1100" dirty="0" err="1">
+                <a:solidFill>
+                  <a:schemeClr val="tx1"/>
+                </a:solidFill>
+              </a:rPr>
+              <a:t>initTransmitData</a:t>
+            </a:r>
+            <a:r>
+              <a:rPr lang="de-DE" sz="1100" dirty="0">
+                <a:solidFill>
+                  <a:schemeClr val="tx1"/>
+                </a:solidFill>
+              </a:rPr>
+              <a:t>()</a:t>
+            </a:r>
+          </a:p>
+        </p:txBody>
+      </p:sp>
+      <p:cxnSp>
+        <p:nvCxnSpPr>
+          <p:cNvPr id="25" name="Gerade Verbindung mit Pfeil 24">
+            <a:extLst>
+              <a:ext uri="{FF2B5EF4-FFF2-40B4-BE49-F238E27FC236}">
+                <a16:creationId xmlns:a16="http://schemas.microsoft.com/office/drawing/2014/main" id="{3CAFEC37-0893-4158-A32F-F696871D36F8}"/>
+              </a:ext>
+            </a:extLst>
+          </p:cNvPr>
+          <p:cNvCxnSpPr>
+            <a:cxnSpLocks/>
+            <a:stCxn id="24" idx="2"/>
+          </p:cNvCxnSpPr>
+          <p:nvPr/>
+        </p:nvCxnSpPr>
+        <p:spPr>
+          <a:xfrm>
+            <a:off x="5269476" y="5560897"/>
+            <a:ext cx="0" cy="427179"/>
+          </a:xfrm>
+          <a:prstGeom prst="straightConnector1">
+            <a:avLst/>
+          </a:prstGeom>
+          <a:ln>
+            <a:tailEnd type="triangle"/>
+          </a:ln>
+        </p:spPr>
+        <p:style>
+          <a:lnRef idx="1">
+            <a:schemeClr val="dk1"/>
+          </a:lnRef>
+          <a:fillRef idx="0">
+            <a:schemeClr val="dk1"/>
+          </a:fillRef>
+          <a:effectRef idx="0">
+            <a:schemeClr val="dk1"/>
+          </a:effectRef>
+          <a:fontRef idx="minor">
+            <a:schemeClr val="tx1"/>
+          </a:fontRef>
+        </p:style>
+      </p:cxnSp>
+      <p:sp>
+        <p:nvSpPr>
+          <p:cNvPr id="26" name="Textfeld 25">
+            <a:extLst>
+              <a:ext uri="{FF2B5EF4-FFF2-40B4-BE49-F238E27FC236}">
+                <a16:creationId xmlns:a16="http://schemas.microsoft.com/office/drawing/2014/main" id="{06DEA5FC-E56D-4298-B011-BB6F02413F84}"/>
+              </a:ext>
+            </a:extLst>
+          </p:cNvPr>
+          <p:cNvSpPr txBox="1"/>
+          <p:nvPr/>
+        </p:nvSpPr>
+        <p:spPr>
+          <a:xfrm>
+            <a:off x="4411139" y="5940276"/>
+            <a:ext cx="2083633" cy="253916"/>
+          </a:xfrm>
+          <a:prstGeom prst="rect">
+            <a:avLst/>
+          </a:prstGeom>
+          <a:noFill/>
+        </p:spPr>
+        <p:txBody>
+          <a:bodyPr wrap="square" rtlCol="0">
+            <a:spAutoFit/>
+          </a:bodyPr>
+          <a:lstStyle/>
+          <a:p>
+            <a:r>
+              <a:rPr lang="de-DE" sz="1050" dirty="0" err="1"/>
+              <a:t>App_RESET_CSS_SW_STATE</a:t>
+            </a:r>
+            <a:endParaRPr lang="en-DE" sz="1050" dirty="0"/>
+          </a:p>
+        </p:txBody>
+      </p:sp>
+    </p:spTree>
+    <p:extLst>
+      <p:ext uri="{BB962C8B-B14F-4D97-AF65-F5344CB8AC3E}">
+        <p14:creationId xmlns:p14="http://schemas.microsoft.com/office/powerpoint/2010/main" val="1824214891"/>
+      </p:ext>
+    </p:extLst>
+  </p:cSld>
+  <p:clrMapOvr>
+    <a:masterClrMapping/>
+  </p:clrMapOvr>
+</p:sld>
+</file>
+
 <file path=ppt/theme/theme1.xml><?xml version="1.0" encoding="utf-8"?>
 <a:theme xmlns:a="http://schemas.openxmlformats.org/drawingml/2006/main" name="Office">
   <a:themeElements>

--- a/Zustandsdiagramme.pptx
+++ b/Zustandsdiagramme.pptx
@@ -245,7 +245,7 @@
           <a:p>
             <a:fld id="{787D2ACF-316F-4C6E-89AE-002439F4BC26}" type="datetimeFigureOut">
               <a:rPr lang="de-DE" smtClean="0"/>
-              <a:t>13.02.2022</a:t>
+              <a:t>14.02.2022</a:t>
             </a:fld>
             <a:endParaRPr lang="de-DE"/>
           </a:p>
@@ -415,7 +415,7 @@
           <a:p>
             <a:fld id="{787D2ACF-316F-4C6E-89AE-002439F4BC26}" type="datetimeFigureOut">
               <a:rPr lang="de-DE" smtClean="0"/>
-              <a:t>13.02.2022</a:t>
+              <a:t>14.02.2022</a:t>
             </a:fld>
             <a:endParaRPr lang="de-DE"/>
           </a:p>
@@ -595,7 +595,7 @@
           <a:p>
             <a:fld id="{787D2ACF-316F-4C6E-89AE-002439F4BC26}" type="datetimeFigureOut">
               <a:rPr lang="de-DE" smtClean="0"/>
-              <a:t>13.02.2022</a:t>
+              <a:t>14.02.2022</a:t>
             </a:fld>
             <a:endParaRPr lang="de-DE"/>
           </a:p>
@@ -765,7 +765,7 @@
           <a:p>
             <a:fld id="{787D2ACF-316F-4C6E-89AE-002439F4BC26}" type="datetimeFigureOut">
               <a:rPr lang="de-DE" smtClean="0"/>
-              <a:t>13.02.2022</a:t>
+              <a:t>14.02.2022</a:t>
             </a:fld>
             <a:endParaRPr lang="de-DE"/>
           </a:p>
@@ -1009,7 +1009,7 @@
           <a:p>
             <a:fld id="{787D2ACF-316F-4C6E-89AE-002439F4BC26}" type="datetimeFigureOut">
               <a:rPr lang="de-DE" smtClean="0"/>
-              <a:t>13.02.2022</a:t>
+              <a:t>14.02.2022</a:t>
             </a:fld>
             <a:endParaRPr lang="de-DE"/>
           </a:p>
@@ -1241,7 +1241,7 @@
           <a:p>
             <a:fld id="{787D2ACF-316F-4C6E-89AE-002439F4BC26}" type="datetimeFigureOut">
               <a:rPr lang="de-DE" smtClean="0"/>
-              <a:t>13.02.2022</a:t>
+              <a:t>14.02.2022</a:t>
             </a:fld>
             <a:endParaRPr lang="de-DE"/>
           </a:p>
@@ -1608,7 +1608,7 @@
           <a:p>
             <a:fld id="{787D2ACF-316F-4C6E-89AE-002439F4BC26}" type="datetimeFigureOut">
               <a:rPr lang="de-DE" smtClean="0"/>
-              <a:t>13.02.2022</a:t>
+              <a:t>14.02.2022</a:t>
             </a:fld>
             <a:endParaRPr lang="de-DE"/>
           </a:p>
@@ -1726,7 +1726,7 @@
           <a:p>
             <a:fld id="{787D2ACF-316F-4C6E-89AE-002439F4BC26}" type="datetimeFigureOut">
               <a:rPr lang="de-DE" smtClean="0"/>
-              <a:t>13.02.2022</a:t>
+              <a:t>14.02.2022</a:t>
             </a:fld>
             <a:endParaRPr lang="de-DE"/>
           </a:p>
@@ -1821,7 +1821,7 @@
           <a:p>
             <a:fld id="{787D2ACF-316F-4C6E-89AE-002439F4BC26}" type="datetimeFigureOut">
               <a:rPr lang="de-DE" smtClean="0"/>
-              <a:t>13.02.2022</a:t>
+              <a:t>14.02.2022</a:t>
             </a:fld>
             <a:endParaRPr lang="de-DE"/>
           </a:p>
@@ -2098,7 +2098,7 @@
           <a:p>
             <a:fld id="{787D2ACF-316F-4C6E-89AE-002439F4BC26}" type="datetimeFigureOut">
               <a:rPr lang="de-DE" smtClean="0"/>
-              <a:t>13.02.2022</a:t>
+              <a:t>14.02.2022</a:t>
             </a:fld>
             <a:endParaRPr lang="de-DE"/>
           </a:p>
@@ -2355,7 +2355,7 @@
           <a:p>
             <a:fld id="{787D2ACF-316F-4C6E-89AE-002439F4BC26}" type="datetimeFigureOut">
               <a:rPr lang="de-DE" smtClean="0"/>
-              <a:t>13.02.2022</a:t>
+              <a:t>14.02.2022</a:t>
             </a:fld>
             <a:endParaRPr lang="de-DE"/>
           </a:p>
@@ -2568,7 +2568,7 @@
           <a:p>
             <a:fld id="{787D2ACF-316F-4C6E-89AE-002439F4BC26}" type="datetimeFigureOut">
               <a:rPr lang="de-DE" smtClean="0"/>
-              <a:t>13.02.2022</a:t>
+              <a:t>14.02.2022</a:t>
             </a:fld>
             <a:endParaRPr lang="de-DE"/>
           </a:p>
@@ -5440,11 +5440,16 @@
                   <a:schemeClr val="tx1"/>
                 </a:solidFill>
               </a:rPr>
-              <a:t>APP_STARTJOIN_NETWORK</a:t>
-            </a:r>
-          </a:p>
-          <a:p>
-            <a:pPr algn="ctr"/>
+              <a:t>APP_STARTJOIN</a:t>
+            </a:r>
+            <a:r>
+              <a:rPr lang="de-DE" sz="1100">
+                <a:solidFill>
+                  <a:schemeClr val="tx1"/>
+                </a:solidFill>
+              </a:rPr>
+              <a:t>_NETWORK</a:t>
+            </a:r>
             <a:endParaRPr lang="de-DE" sz="1100" dirty="0">
               <a:solidFill>
                 <a:schemeClr val="tx1"/>
